--- a/presentation_01_02.pptx
+++ b/presentation_01_02.pptx
@@ -5750,10 +5750,10 @@
       </p:grpSpPr>
       <p:pic>
         <p:nvPicPr>
-          <p:cNvPr id="5" name="Image 4">
-            <a:extLst>
-              <a:ext uri="{FF2B5EF4-FFF2-40B4-BE49-F238E27FC236}">
-                <a16:creationId xmlns:a16="http://schemas.microsoft.com/office/drawing/2014/main" id="{06D20FD5-D7DA-8EB8-34C9-0AF972C6C042}"/>
+          <p:cNvPr id="3" name="Image 2">
+            <a:extLst>
+              <a:ext uri="{FF2B5EF4-FFF2-40B4-BE49-F238E27FC236}">
+                <a16:creationId xmlns:a16="http://schemas.microsoft.com/office/drawing/2014/main" id="{8E72877D-2FE5-1292-58DE-C91C94E25C0A}"/>
               </a:ext>
             </a:extLst>
           </p:cNvPr>
@@ -5762,16 +5762,15 @@
           </p:cNvPicPr>
           <p:nvPr/>
         </p:nvPicPr>
-        <p:blipFill>
+        <p:blipFill rotWithShape="1">
           <a:blip r:embed="rId2"/>
-          <a:stretch>
-            <a:fillRect/>
-          </a:stretch>
+          <a:srcRect l="53985" t="21250" r="17969" b="13109"/>
+          <a:stretch/>
         </p:blipFill>
         <p:spPr>
           <a:xfrm>
-            <a:off x="1399586" y="206237"/>
-            <a:ext cx="4574495" cy="6445519"/>
+            <a:off x="1136920" y="463440"/>
+            <a:ext cx="4505325" cy="5931118"/>
           </a:xfrm>
           <a:prstGeom prst="rect">
             <a:avLst/>
@@ -5780,10 +5779,10 @@
       </p:pic>
       <p:pic>
         <p:nvPicPr>
-          <p:cNvPr id="7" name="Image 6">
-            <a:extLst>
-              <a:ext uri="{FF2B5EF4-FFF2-40B4-BE49-F238E27FC236}">
-                <a16:creationId xmlns:a16="http://schemas.microsoft.com/office/drawing/2014/main" id="{CA53AD09-0844-F229-17D4-C9CC810DC7BB}"/>
+          <p:cNvPr id="6" name="Image 5">
+            <a:extLst>
+              <a:ext uri="{FF2B5EF4-FFF2-40B4-BE49-F238E27FC236}">
+                <a16:creationId xmlns:a16="http://schemas.microsoft.com/office/drawing/2014/main" id="{00BCC750-F2CE-B274-9F22-F129F18320C1}"/>
               </a:ext>
             </a:extLst>
           </p:cNvPr>
@@ -5792,16 +5791,15 @@
           </p:cNvPicPr>
           <p:nvPr/>
         </p:nvPicPr>
-        <p:blipFill>
+        <p:blipFill rotWithShape="1">
           <a:blip r:embed="rId3"/>
-          <a:stretch>
-            <a:fillRect/>
-          </a:stretch>
+          <a:srcRect l="11875" t="28750" r="55391" b="15139"/>
+          <a:stretch/>
         </p:blipFill>
         <p:spPr>
           <a:xfrm>
-            <a:off x="6217920" y="899038"/>
-            <a:ext cx="5148533" cy="5059918"/>
+            <a:off x="6096000" y="1038225"/>
+            <a:ext cx="4959080" cy="4781549"/>
           </a:xfrm>
           <a:prstGeom prst="rect">
             <a:avLst/>
